--- a/BikeDemandPrediction.pptx
+++ b/BikeDemandPrediction.pptx
@@ -740,7 +740,7 @@
           <a:p>
             <a:fld id="{FE7B3F92-5352-4DA0-BA25-918E6BC30980}" type="datetimeFigureOut">
               <a:rPr lang="en-US" smtClean="0"/>
-              <a:t>9/24/2024</a:t>
+              <a:t>9/25/2024</a:t>
             </a:fld>
             <a:endParaRPr lang="en-US"/>
           </a:p>
@@ -938,7 +938,7 @@
           <a:p>
             <a:fld id="{FE7B3F92-5352-4DA0-BA25-918E6BC30980}" type="datetimeFigureOut">
               <a:rPr lang="en-US" smtClean="0"/>
-              <a:t>9/24/2024</a:t>
+              <a:t>9/25/2024</a:t>
             </a:fld>
             <a:endParaRPr lang="en-US"/>
           </a:p>
@@ -1146,7 +1146,7 @@
           <a:p>
             <a:fld id="{FE7B3F92-5352-4DA0-BA25-918E6BC30980}" type="datetimeFigureOut">
               <a:rPr lang="en-US" smtClean="0"/>
-              <a:t>9/24/2024</a:t>
+              <a:t>9/25/2024</a:t>
             </a:fld>
             <a:endParaRPr lang="en-US"/>
           </a:p>
@@ -1344,7 +1344,7 @@
           <a:p>
             <a:fld id="{FE7B3F92-5352-4DA0-BA25-918E6BC30980}" type="datetimeFigureOut">
               <a:rPr lang="en-US" smtClean="0"/>
-              <a:t>9/24/2024</a:t>
+              <a:t>9/25/2024</a:t>
             </a:fld>
             <a:endParaRPr lang="en-US"/>
           </a:p>
@@ -1619,7 +1619,7 @@
           <a:p>
             <a:fld id="{FE7B3F92-5352-4DA0-BA25-918E6BC30980}" type="datetimeFigureOut">
               <a:rPr lang="en-US" smtClean="0"/>
-              <a:t>9/24/2024</a:t>
+              <a:t>9/25/2024</a:t>
             </a:fld>
             <a:endParaRPr lang="en-US"/>
           </a:p>
@@ -1884,7 +1884,7 @@
           <a:p>
             <a:fld id="{FE7B3F92-5352-4DA0-BA25-918E6BC30980}" type="datetimeFigureOut">
               <a:rPr lang="en-US" smtClean="0"/>
-              <a:t>9/24/2024</a:t>
+              <a:t>9/25/2024</a:t>
             </a:fld>
             <a:endParaRPr lang="en-US"/>
           </a:p>
@@ -2296,7 +2296,7 @@
           <a:p>
             <a:fld id="{FE7B3F92-5352-4DA0-BA25-918E6BC30980}" type="datetimeFigureOut">
               <a:rPr lang="en-US" smtClean="0"/>
-              <a:t>9/24/2024</a:t>
+              <a:t>9/25/2024</a:t>
             </a:fld>
             <a:endParaRPr lang="en-US"/>
           </a:p>
@@ -2437,7 +2437,7 @@
           <a:p>
             <a:fld id="{FE7B3F92-5352-4DA0-BA25-918E6BC30980}" type="datetimeFigureOut">
               <a:rPr lang="en-US" smtClean="0"/>
-              <a:t>9/24/2024</a:t>
+              <a:t>9/25/2024</a:t>
             </a:fld>
             <a:endParaRPr lang="en-US"/>
           </a:p>
@@ -2550,7 +2550,7 @@
           <a:p>
             <a:fld id="{FE7B3F92-5352-4DA0-BA25-918E6BC30980}" type="datetimeFigureOut">
               <a:rPr lang="en-US" smtClean="0"/>
-              <a:t>9/24/2024</a:t>
+              <a:t>9/25/2024</a:t>
             </a:fld>
             <a:endParaRPr lang="en-US"/>
           </a:p>
@@ -2861,7 +2861,7 @@
           <a:p>
             <a:fld id="{FE7B3F92-5352-4DA0-BA25-918E6BC30980}" type="datetimeFigureOut">
               <a:rPr lang="en-US" smtClean="0"/>
-              <a:t>9/24/2024</a:t>
+              <a:t>9/25/2024</a:t>
             </a:fld>
             <a:endParaRPr lang="en-US"/>
           </a:p>
@@ -3149,7 +3149,7 @@
           <a:p>
             <a:fld id="{FE7B3F92-5352-4DA0-BA25-918E6BC30980}" type="datetimeFigureOut">
               <a:rPr lang="en-US" smtClean="0"/>
-              <a:t>9/24/2024</a:t>
+              <a:t>9/25/2024</a:t>
             </a:fld>
             <a:endParaRPr lang="en-US"/>
           </a:p>
@@ -3390,7 +3390,7 @@
           <a:p>
             <a:fld id="{FE7B3F92-5352-4DA0-BA25-918E6BC30980}" type="datetimeFigureOut">
               <a:rPr lang="en-US" smtClean="0"/>
-              <a:t>9/24/2024</a:t>
+              <a:t>9/25/2024</a:t>
             </a:fld>
             <a:endParaRPr lang="en-US"/>
           </a:p>

--- a/BikeDemandPrediction.pptx
+++ b/BikeDemandPrediction.pptx
@@ -5793,7 +5793,17 @@
                 <a:effectLst/>
                 <a:cs typeface="Calibri" panose="020F0502020204030204" pitchFamily="34" charset="0"/>
               </a:rPr>
-              <a:t> aspires to understand the demand for shared bikes among the people after this ongoing quarantine situation ends across the nation due to Covid-19</a:t>
+              <a:t> aspires to understand the demand for shared bikes among the people after this ongoing quarantine situation ends across the nation due </a:t>
+            </a:r>
+            <a:r>
+              <a:rPr lang="en-US" sz="2200" b="0" i="0">
+                <a:solidFill>
+                  <a:srgbClr val="091E42"/>
+                </a:solidFill>
+                <a:effectLst/>
+                <a:cs typeface="Calibri" panose="020F0502020204030204" pitchFamily="34" charset="0"/>
+              </a:rPr>
+              <a:t>to Covid-19.</a:t>
             </a:r>
             <a:endParaRPr lang="en-US" sz="2200" dirty="0">
               <a:solidFill>
@@ -5854,7 +5864,7 @@
                 <a:effectLst/>
                 <a:cs typeface="Calibri" panose="020F0502020204030204" pitchFamily="34" charset="0"/>
               </a:rPr>
-              <a:t>ow well those variables describe the bike demands</a:t>
+              <a:t>ow well those variables describe the bike demands.</a:t>
             </a:r>
           </a:p>
           <a:p>
@@ -5880,7 +5890,7 @@
                 <a:effectLst/>
                 <a:cs typeface="Calibri" panose="020F0502020204030204" pitchFamily="34" charset="0"/>
               </a:rPr>
-              <a:t> are required to model the demand for shared bikes with the available independent variables</a:t>
+              <a:t> are required to model the demand for shared bikes with the available independent variables.</a:t>
             </a:r>
           </a:p>
           <a:p>
